--- a/ゼミ1/3.3/1342082　3.3.pptx
+++ b/ゼミ1/3.3/1342082　3.3.pptx
@@ -5,10 +5,10 @@
     <p:sldMasterId id="2147483714" r:id="rId1"/>
   </p:sldMasterIdLst>
   <p:notesMasterIdLst>
-    <p:notesMasterId r:id="rId14"/>
+    <p:notesMasterId r:id="rId15"/>
   </p:notesMasterIdLst>
   <p:handoutMasterIdLst>
-    <p:handoutMasterId r:id="rId15"/>
+    <p:handoutMasterId r:id="rId16"/>
   </p:handoutMasterIdLst>
   <p:sldIdLst>
     <p:sldId id="256" r:id="rId2"/>
@@ -23,6 +23,7 @@
     <p:sldId id="281" r:id="rId11"/>
     <p:sldId id="280" r:id="rId12"/>
     <p:sldId id="282" r:id="rId13"/>
+    <p:sldId id="283" r:id="rId14"/>
   </p:sldIdLst>
   <p:sldSz cx="12192000" cy="6858000"/>
   <p:notesSz cx="6735763" cy="9869488"/>
@@ -123,7 +124,7 @@
   </p:defaultTextStyle>
   <p:extLst>
     <p:ext uri="{EFAFB233-063F-42B5-8137-9DF3F51BA10A}">
-      <p15:sldGuideLst xmlns:p15="http://schemas.microsoft.com/office/powerpoint/2012/main">
+      <p15:sldGuideLst xmlns:p15="http://schemas.microsoft.com/office/powerpoint/2012/main" xmlns="">
         <p15:guide id="1" orient="horz" pos="2160">
           <p15:clr>
             <a:srgbClr val="A4A3A4"/>
@@ -222,7 +223,7 @@
           <a:p>
             <a:fld id="{5A7FE297-AC44-47CF-9B1C-7BE84A4C1C33}" type="datetimeFigureOut">
               <a:rPr kumimoji="1" lang="ja-JP" altLang="en-US" smtClean="0"/>
-              <a:t>2015/5/28</a:t>
+              <a:t>2015/6/11</a:t>
             </a:fld>
             <a:endParaRPr kumimoji="1" lang="ja-JP" altLang="en-US"/>
           </a:p>
@@ -387,7 +388,7 @@
           <a:p>
             <a:fld id="{9F19A621-E157-42C2-8C3B-253FBD15FDBF}" type="datetimeFigureOut">
               <a:rPr kumimoji="1" lang="ja-JP" altLang="en-US" smtClean="0"/>
-              <a:t>2015/5/28</a:t>
+              <a:t>2015/6/11</a:t>
             </a:fld>
             <a:endParaRPr kumimoji="1" lang="ja-JP" altLang="en-US"/>
           </a:p>
@@ -997,7 +998,7 @@
           <a:p>
             <a:fld id="{493F4FE5-87EB-4FEE-B986-FB44D8B1D322}" type="datetime1">
               <a:rPr kumimoji="1" lang="ja-JP" altLang="en-US" smtClean="0"/>
-              <a:t>2015/5/28</a:t>
+              <a:t>2015/6/11</a:t>
             </a:fld>
             <a:endParaRPr kumimoji="1" lang="ja-JP" altLang="en-US"/>
           </a:p>
@@ -1249,7 +1250,7 @@
           <a:p>
             <a:fld id="{E84868B0-E9E3-4631-BE05-8C70B5895FCD}" type="datetime1">
               <a:rPr kumimoji="1" lang="ja-JP" altLang="en-US" smtClean="0"/>
-              <a:t>2015/5/28</a:t>
+              <a:t>2015/6/11</a:t>
             </a:fld>
             <a:endParaRPr kumimoji="1" lang="ja-JP" altLang="en-US"/>
           </a:p>
@@ -1537,7 +1538,7 @@
           <a:p>
             <a:fld id="{923B52C0-D342-4764-B6D8-2FDB0BDDC76F}" type="datetime1">
               <a:rPr kumimoji="1" lang="ja-JP" altLang="en-US" smtClean="0"/>
-              <a:t>2015/5/28</a:t>
+              <a:t>2015/6/11</a:t>
             </a:fld>
             <a:endParaRPr kumimoji="1" lang="ja-JP" altLang="en-US"/>
           </a:p>
@@ -1755,7 +1756,7 @@
           <a:p>
             <a:fld id="{9CF9EAA5-A2D5-47B5-808D-FDA1C4920B5E}" type="datetime1">
               <a:rPr kumimoji="1" lang="ja-JP" altLang="en-US" smtClean="0"/>
-              <a:t>2015/5/28</a:t>
+              <a:t>2015/6/11</a:t>
             </a:fld>
             <a:endParaRPr kumimoji="1" lang="ja-JP" altLang="en-US"/>
           </a:p>
@@ -2105,7 +2106,7 @@
           <a:p>
             <a:fld id="{6601A478-E045-4BED-A679-A5EF76D95C63}" type="datetime1">
               <a:rPr kumimoji="1" lang="ja-JP" altLang="en-US" smtClean="0"/>
-              <a:t>2015/5/28</a:t>
+              <a:t>2015/6/11</a:t>
             </a:fld>
             <a:endParaRPr kumimoji="1" lang="ja-JP" altLang="en-US"/>
           </a:p>
@@ -2451,7 +2452,7 @@
           <a:p>
             <a:fld id="{C07FB18C-E142-4916-AE91-1CDD10F34444}" type="datetime1">
               <a:rPr kumimoji="1" lang="ja-JP" altLang="en-US" smtClean="0"/>
-              <a:t>2015/5/28</a:t>
+              <a:t>2015/6/11</a:t>
             </a:fld>
             <a:endParaRPr kumimoji="1" lang="ja-JP" altLang="en-US"/>
           </a:p>
@@ -2894,7 +2895,7 @@
           <a:p>
             <a:fld id="{35526E38-44F9-4894-B5CD-CF6E602DE711}" type="datetime1">
               <a:rPr kumimoji="1" lang="ja-JP" altLang="en-US" smtClean="0"/>
-              <a:t>2015/5/28</a:t>
+              <a:t>2015/6/11</a:t>
             </a:fld>
             <a:endParaRPr kumimoji="1" lang="ja-JP" altLang="en-US"/>
           </a:p>
@@ -3012,7 +3013,7 @@
           <a:p>
             <a:fld id="{86B11806-9664-4D42-982E-6DF894543A3C}" type="datetime1">
               <a:rPr kumimoji="1" lang="ja-JP" altLang="en-US" smtClean="0"/>
-              <a:t>2015/5/28</a:t>
+              <a:t>2015/6/11</a:t>
             </a:fld>
             <a:endParaRPr kumimoji="1" lang="ja-JP" altLang="en-US"/>
           </a:p>
@@ -3183,7 +3184,7 @@
           <a:p>
             <a:fld id="{BF53285D-F6E0-4872-A1C4-C43A08E5CE4B}" type="datetime1">
               <a:rPr kumimoji="1" lang="ja-JP" altLang="en-US" smtClean="0"/>
-              <a:t>2015/5/28</a:t>
+              <a:t>2015/6/11</a:t>
             </a:fld>
             <a:endParaRPr kumimoji="1" lang="ja-JP" altLang="en-US"/>
           </a:p>
@@ -3569,7 +3570,7 @@
           <a:p>
             <a:fld id="{57EF0C61-417F-4D74-8812-F6F62D230326}" type="datetime1">
               <a:rPr kumimoji="1" lang="ja-JP" altLang="en-US" smtClean="0"/>
-              <a:t>2015/5/28</a:t>
+              <a:t>2015/6/11</a:t>
             </a:fld>
             <a:endParaRPr kumimoji="1" lang="ja-JP" altLang="en-US"/>
           </a:p>
@@ -3951,7 +3952,7 @@
           <a:p>
             <a:fld id="{B64EF7DC-D18C-40B8-9FD9-6FEF6C3A9C42}" type="datetime1">
               <a:rPr kumimoji="1" lang="ja-JP" altLang="en-US" smtClean="0"/>
-              <a:t>2015/5/28</a:t>
+              <a:t>2015/6/11</a:t>
             </a:fld>
             <a:endParaRPr kumimoji="1" lang="ja-JP" altLang="en-US"/>
           </a:p>
@@ -4270,7 +4271,7 @@
           <a:p>
             <a:fld id="{03B6EA41-A581-4A35-B4A9-4544B0804832}" type="datetime1">
               <a:rPr kumimoji="1" lang="ja-JP" altLang="en-US" smtClean="0"/>
-              <a:t>2015/5/28</a:t>
+              <a:t>2015/6/11</a:t>
             </a:fld>
             <a:endParaRPr kumimoji="1" lang="ja-JP" altLang="en-US"/>
           </a:p>
@@ -6386,6 +6387,145 @@
 </p:sld>
 </file>
 
+<file path=ppt/slides/slide13.xml><?xml version="1.0" encoding="utf-8"?>
+<p:sld xmlns:a="http://schemas.openxmlformats.org/drawingml/2006/main" xmlns:r="http://schemas.openxmlformats.org/officeDocument/2006/relationships" xmlns:p="http://schemas.openxmlformats.org/presentationml/2006/main">
+  <p:cSld>
+    <p:spTree>
+      <p:nvGrpSpPr>
+        <p:cNvPr id="1" name=""/>
+        <p:cNvGrpSpPr/>
+        <p:nvPr/>
+      </p:nvGrpSpPr>
+      <p:grpSpPr>
+        <a:xfrm>
+          <a:off x="0" y="0"/>
+          <a:ext cx="0" cy="0"/>
+          <a:chOff x="0" y="0"/>
+          <a:chExt cx="0" cy="0"/>
+        </a:xfrm>
+      </p:grpSpPr>
+      <p:sp>
+        <p:nvSpPr>
+          <p:cNvPr id="2" name="タイトル 1"/>
+          <p:cNvSpPr>
+            <a:spLocks noGrp="1"/>
+          </p:cNvSpPr>
+          <p:nvPr>
+            <p:ph type="title"/>
+          </p:nvPr>
+        </p:nvSpPr>
+        <p:spPr/>
+        <p:txBody>
+          <a:bodyPr/>
+          <a:lstStyle/>
+          <a:p>
+            <a:r>
+              <a:rPr kumimoji="1" lang="ja-JP" altLang="en-US" dirty="0" smtClean="0"/>
+              <a:t>今回学んだこと</a:t>
+            </a:r>
+            <a:endParaRPr kumimoji="1" lang="ja-JP" altLang="en-US" dirty="0"/>
+          </a:p>
+        </p:txBody>
+      </p:sp>
+      <p:sp>
+        <p:nvSpPr>
+          <p:cNvPr id="3" name="コンテンツ プレースホルダー 2"/>
+          <p:cNvSpPr>
+            <a:spLocks noGrp="1"/>
+          </p:cNvSpPr>
+          <p:nvPr>
+            <p:ph idx="1"/>
+          </p:nvPr>
+        </p:nvSpPr>
+        <p:spPr/>
+        <p:txBody>
+          <a:bodyPr/>
+          <a:lstStyle/>
+          <a:p>
+            <a:r>
+              <a:rPr kumimoji="1" lang="ja-JP" altLang="en-US" dirty="0" smtClean="0"/>
+              <a:t>外部設計書を作るときに，できれば実現して欲しいと願う二次品質</a:t>
+            </a:r>
+            <a:endParaRPr kumimoji="1" lang="en-US" altLang="ja-JP" dirty="0" smtClean="0"/>
+          </a:p>
+          <a:p>
+            <a:pPr marL="0" indent="0">
+              <a:buNone/>
+            </a:pPr>
+            <a:r>
+              <a:rPr kumimoji="1" lang="ja-JP" altLang="en-US" dirty="0" smtClean="0"/>
+              <a:t>をたくさん盛り込んだところ，ユーザから必要最低限の機能だけで</a:t>
+            </a:r>
+            <a:endParaRPr kumimoji="1" lang="en-US" altLang="ja-JP" dirty="0" smtClean="0"/>
+          </a:p>
+          <a:p>
+            <a:pPr marL="0" indent="0">
+              <a:buNone/>
+            </a:pPr>
+            <a:r>
+              <a:rPr kumimoji="1" lang="ja-JP" altLang="en-US" dirty="0" smtClean="0"/>
+              <a:t>良いとアドバイスをいただいた．そのアドバイスを基に，一次品質</a:t>
+            </a:r>
+            <a:endParaRPr kumimoji="1" lang="en-US" altLang="ja-JP" dirty="0" smtClean="0"/>
+          </a:p>
+          <a:p>
+            <a:pPr marL="0" indent="0">
+              <a:buNone/>
+            </a:pPr>
+            <a:r>
+              <a:rPr kumimoji="1" lang="ja-JP" altLang="en-US" dirty="0" smtClean="0"/>
+              <a:t>のみにこだわることでスムーズに設計書を作成することができた．</a:t>
+            </a:r>
+            <a:endParaRPr kumimoji="1" lang="en-US" altLang="ja-JP" dirty="0" smtClean="0"/>
+          </a:p>
+          <a:p>
+            <a:pPr marL="0" indent="0">
+              <a:buNone/>
+            </a:pPr>
+            <a:r>
+              <a:rPr kumimoji="1" lang="ja-JP" altLang="en-US" dirty="0" smtClean="0"/>
+              <a:t>そういう問題があったことを今回再確認できました．</a:t>
+            </a:r>
+            <a:endParaRPr kumimoji="1" lang="ja-JP" altLang="en-US" dirty="0"/>
+          </a:p>
+        </p:txBody>
+      </p:sp>
+      <p:sp>
+        <p:nvSpPr>
+          <p:cNvPr id="4" name="スライド番号プレースホルダー 3"/>
+          <p:cNvSpPr>
+            <a:spLocks noGrp="1"/>
+          </p:cNvSpPr>
+          <p:nvPr>
+            <p:ph type="sldNum" sz="quarter" idx="12"/>
+          </p:nvPr>
+        </p:nvSpPr>
+        <p:spPr/>
+        <p:txBody>
+          <a:bodyPr/>
+          <a:lstStyle/>
+          <a:p>
+            <a:fld id="{A4E6642C-D3C9-4DC2-8962-09BE970CAC7A}" type="slidenum">
+              <a:rPr kumimoji="1" lang="ja-JP" altLang="en-US" smtClean="0"/>
+              <a:t>13</a:t>
+            </a:fld>
+            <a:endParaRPr kumimoji="1" lang="ja-JP" altLang="en-US"/>
+          </a:p>
+        </p:txBody>
+      </p:sp>
+    </p:spTree>
+    <p:extLst>
+      <p:ext uri="{BB962C8B-B14F-4D97-AF65-F5344CB8AC3E}">
+        <p14:creationId xmlns:p14="http://schemas.microsoft.com/office/powerpoint/2010/main" val="1162399606"/>
+      </p:ext>
+    </p:extLst>
+  </p:cSld>
+  <p:clrMapOvr>
+    <a:masterClrMapping/>
+  </p:clrMapOvr>
+</p:sld>
+</file>
+
 <file path=ppt/slides/slide2.xml><?xml version="1.0" encoding="utf-8"?>
 <p:sld xmlns:a="http://schemas.openxmlformats.org/drawingml/2006/main" xmlns:r="http://schemas.openxmlformats.org/officeDocument/2006/relationships" xmlns:p="http://schemas.openxmlformats.org/presentationml/2006/main">
   <p:cSld>
@@ -6468,7 +6608,22 @@
           <a:p>
             <a:r>
               <a:rPr kumimoji="1" lang="ja-JP" altLang="en-US" dirty="0" smtClean="0"/>
-              <a:t>上流工程での品質の作り込み</a:t>
+              <a:t>上流工程での品質の</a:t>
+            </a:r>
+            <a:r>
+              <a:rPr kumimoji="1" lang="ja-JP" altLang="en-US" dirty="0" smtClean="0"/>
+              <a:t>作り込み</a:t>
+            </a:r>
+            <a:endParaRPr kumimoji="1" lang="en-US" altLang="ja-JP" dirty="0" smtClean="0"/>
+          </a:p>
+          <a:p>
+            <a:r>
+              <a:rPr lang="ja-JP" altLang="en-US" dirty="0" smtClean="0"/>
+              <a:t>今回</a:t>
+            </a:r>
+            <a:r>
+              <a:rPr lang="ja-JP" altLang="en-US" dirty="0"/>
+              <a:t>学んだこと</a:t>
             </a:r>
             <a:endParaRPr kumimoji="1" lang="ja-JP" altLang="en-US" dirty="0"/>
           </a:p>
@@ -9083,7 +9238,7 @@
   <a:extraClrSchemeLst/>
   <a:extLst>
     <a:ext uri="{05A4C25C-085E-4340-85A3-A5531E510DB2}">
-      <thm15:themeFamily xmlns:thm15="http://schemas.microsoft.com/office/thememl/2012/main" name="Retrospect" id="{5F128B03-DCCA-4EEB-AB3B-CF2899314A46}" vid="{3F1AAB62-24C6-49D2-8E01-B56FAC9A3DCD}"/>
+      <thm15:themeFamily xmlns:thm15="http://schemas.microsoft.com/office/thememl/2012/main" xmlns="" name="Retrospect" id="{5F128B03-DCCA-4EEB-AB3B-CF2899314A46}" vid="{3F1AAB62-24C6-49D2-8E01-B56FAC9A3DCD}"/>
     </a:ext>
   </a:extLst>
 </a:theme>
@@ -9344,7 +9499,7 @@
   <a:extraClrSchemeLst/>
   <a:extLst>
     <a:ext uri="{05A4C25C-085E-4340-85A3-A5531E510DB2}">
-      <thm15:themeFamily xmlns:thm15="http://schemas.microsoft.com/office/thememl/2012/main" name="Office Theme" id="{62F939B6-93AF-4DB8-9C6B-D6C7DFDC589F}" vid="{4A3C46E8-61CC-4603-A589-7422A47A8E4A}"/>
+      <thm15:themeFamily xmlns:thm15="http://schemas.microsoft.com/office/thememl/2012/main" xmlns="" name="Office Theme" id="{62F939B6-93AF-4DB8-9C6B-D6C7DFDC589F}" vid="{4A3C46E8-61CC-4603-A589-7422A47A8E4A}"/>
     </a:ext>
   </a:extLst>
 </a:theme>
